--- a/Final_Project/Presentation/Final Project2.pptx
+++ b/Final_Project/Presentation/Final Project2.pptx
@@ -11,8 +11,8 @@
     <p:sldId id="258" r:id="rId5"/>
     <p:sldId id="260" r:id="rId6"/>
     <p:sldId id="261" r:id="rId7"/>
-    <p:sldId id="262" r:id="rId8"/>
-    <p:sldId id="263" r:id="rId9"/>
+    <p:sldId id="263" r:id="rId8"/>
+    <p:sldId id="262" r:id="rId9"/>
     <p:sldId id="264" r:id="rId10"/>
   </p:sldIdLst>
   <p:sldSz cx="12192000" cy="6858000"/>
@@ -112,6 +112,11 @@
       </a:defRPr>
     </a:lvl9pPr>
   </p:defaultTextStyle>
+  <p:extLst>
+    <p:ext uri="{EFAFB233-063F-42B5-8137-9DF3F51BA10A}">
+      <p15:sldGuideLst xmlns:p15="http://schemas.microsoft.com/office/powerpoint/2012/main"/>
+    </p:ext>
+  </p:extLst>
 </p:presentation>
 </file>
 
@@ -246,7 +251,7 @@
           <a:p>
             <a:fld id="{750B4A1C-CCE2-4EBB-9C6F-E54A78F24D1F}" type="datetimeFigureOut">
               <a:rPr lang="en-US" smtClean="0"/>
-              <a:t>10/21/2017</a:t>
+              <a:t>10/23/2017</a:t>
             </a:fld>
             <a:endParaRPr lang="en-US"/>
           </a:p>
@@ -416,7 +421,7 @@
           <a:p>
             <a:fld id="{750B4A1C-CCE2-4EBB-9C6F-E54A78F24D1F}" type="datetimeFigureOut">
               <a:rPr lang="en-US" smtClean="0"/>
-              <a:t>10/21/2017</a:t>
+              <a:t>10/23/2017</a:t>
             </a:fld>
             <a:endParaRPr lang="en-US"/>
           </a:p>
@@ -596,7 +601,7 @@
           <a:p>
             <a:fld id="{750B4A1C-CCE2-4EBB-9C6F-E54A78F24D1F}" type="datetimeFigureOut">
               <a:rPr lang="en-US" smtClean="0"/>
-              <a:t>10/21/2017</a:t>
+              <a:t>10/23/2017</a:t>
             </a:fld>
             <a:endParaRPr lang="en-US"/>
           </a:p>
@@ -766,7 +771,7 @@
           <a:p>
             <a:fld id="{750B4A1C-CCE2-4EBB-9C6F-E54A78F24D1F}" type="datetimeFigureOut">
               <a:rPr lang="en-US" smtClean="0"/>
-              <a:t>10/21/2017</a:t>
+              <a:t>10/23/2017</a:t>
             </a:fld>
             <a:endParaRPr lang="en-US"/>
           </a:p>
@@ -1012,7 +1017,7 @@
           <a:p>
             <a:fld id="{750B4A1C-CCE2-4EBB-9C6F-E54A78F24D1F}" type="datetimeFigureOut">
               <a:rPr lang="en-US" smtClean="0"/>
-              <a:t>10/21/2017</a:t>
+              <a:t>10/23/2017</a:t>
             </a:fld>
             <a:endParaRPr lang="en-US"/>
           </a:p>
@@ -1244,7 +1249,7 @@
           <a:p>
             <a:fld id="{750B4A1C-CCE2-4EBB-9C6F-E54A78F24D1F}" type="datetimeFigureOut">
               <a:rPr lang="en-US" smtClean="0"/>
-              <a:t>10/21/2017</a:t>
+              <a:t>10/23/2017</a:t>
             </a:fld>
             <a:endParaRPr lang="en-US"/>
           </a:p>
@@ -1611,7 +1616,7 @@
           <a:p>
             <a:fld id="{750B4A1C-CCE2-4EBB-9C6F-E54A78F24D1F}" type="datetimeFigureOut">
               <a:rPr lang="en-US" smtClean="0"/>
-              <a:t>10/21/2017</a:t>
+              <a:t>10/23/2017</a:t>
             </a:fld>
             <a:endParaRPr lang="en-US"/>
           </a:p>
@@ -1729,7 +1734,7 @@
           <a:p>
             <a:fld id="{750B4A1C-CCE2-4EBB-9C6F-E54A78F24D1F}" type="datetimeFigureOut">
               <a:rPr lang="en-US" smtClean="0"/>
-              <a:t>10/21/2017</a:t>
+              <a:t>10/23/2017</a:t>
             </a:fld>
             <a:endParaRPr lang="en-US"/>
           </a:p>
@@ -1824,7 +1829,7 @@
           <a:p>
             <a:fld id="{750B4A1C-CCE2-4EBB-9C6F-E54A78F24D1F}" type="datetimeFigureOut">
               <a:rPr lang="en-US" smtClean="0"/>
-              <a:t>10/21/2017</a:t>
+              <a:t>10/23/2017</a:t>
             </a:fld>
             <a:endParaRPr lang="en-US"/>
           </a:p>
@@ -2101,7 +2106,7 @@
           <a:p>
             <a:fld id="{750B4A1C-CCE2-4EBB-9C6F-E54A78F24D1F}" type="datetimeFigureOut">
               <a:rPr lang="en-US" smtClean="0"/>
-              <a:t>10/21/2017</a:t>
+              <a:t>10/23/2017</a:t>
             </a:fld>
             <a:endParaRPr lang="en-US"/>
           </a:p>
@@ -2354,7 +2359,7 @@
           <a:p>
             <a:fld id="{750B4A1C-CCE2-4EBB-9C6F-E54A78F24D1F}" type="datetimeFigureOut">
               <a:rPr lang="en-US" smtClean="0"/>
-              <a:t>10/21/2017</a:t>
+              <a:t>10/23/2017</a:t>
             </a:fld>
             <a:endParaRPr lang="en-US"/>
           </a:p>
@@ -2567,7 +2572,7 @@
           <a:p>
             <a:fld id="{750B4A1C-CCE2-4EBB-9C6F-E54A78F24D1F}" type="datetimeFigureOut">
               <a:rPr lang="en-US" smtClean="0"/>
-              <a:t>10/21/2017</a:t>
+              <a:t>10/23/2017</a:t>
             </a:fld>
             <a:endParaRPr lang="en-US"/>
           </a:p>
@@ -3245,8 +3250,17 @@
               <a:rPr lang="en-US" dirty="0" smtClean="0">
                 <a:latin typeface="Sentinel Light" panose="02000000000000000000" pitchFamily="50" charset="0"/>
               </a:rPr>
-              <a:t>How much does green taxi demand fluctuate according to season?</a:t>
-            </a:r>
+              <a:t>How much does green taxi demand fluctuate according to </a:t>
+            </a:r>
+            <a:r>
+              <a:rPr lang="en-US" dirty="0" smtClean="0">
+                <a:latin typeface="Sentinel Light" panose="02000000000000000000" pitchFamily="50" charset="0"/>
+              </a:rPr>
+              <a:t>season and can we predict demand?</a:t>
+            </a:r>
+            <a:endParaRPr lang="en-US" dirty="0" smtClean="0">
+              <a:latin typeface="Sentinel Light" panose="02000000000000000000" pitchFamily="50" charset="0"/>
+            </a:endParaRPr>
           </a:p>
           <a:p>
             <a:pPr lvl="1"/>
@@ -3272,6 +3286,13 @@
   <p:clrMapOvr>
     <a:masterClrMapping/>
   </p:clrMapOvr>
+  <p:timing>
+    <p:tnLst>
+      <p:par>
+        <p:cTn id="1" dur="indefinite" restart="never" nodeType="tmRoot"/>
+      </p:par>
+    </p:tnLst>
+  </p:timing>
 </p:sld>
 </file>
 
@@ -3352,27 +3373,45 @@
               <a:rPr lang="en-US" dirty="0" smtClean="0">
                 <a:latin typeface="Sentinel Light" panose="02000000000000000000" pitchFamily="50" charset="0"/>
               </a:rPr>
-              <a:t>Data is published by the New York Taxi and Limousine Commission</a:t>
-            </a:r>
-          </a:p>
-          <a:p>
+              <a:t>Data is published by the New York Taxi and Limousine </a:t>
+            </a:r>
             <a:r>
               <a:rPr lang="en-US" dirty="0" smtClean="0">
                 <a:latin typeface="Sentinel Light" panose="02000000000000000000" pitchFamily="50" charset="0"/>
               </a:rPr>
+              <a:t>Commission</a:t>
+            </a:r>
+          </a:p>
+          <a:p>
+            <a:pPr lvl="1"/>
+            <a:r>
+              <a:rPr lang="en-US" dirty="0">
+                <a:latin typeface="Sentinel Light" panose="02000000000000000000" pitchFamily="50" charset="0"/>
+              </a:rPr>
+              <a:t>Source: https://data.cityofnewyork.us/Transportation/2016-Green-Taxi-Trip-Data/hvrh-b6nb</a:t>
+            </a:r>
+            <a:endParaRPr lang="en-US" dirty="0" smtClean="0">
+              <a:latin typeface="Sentinel Light" panose="02000000000000000000" pitchFamily="50" charset="0"/>
+            </a:endParaRPr>
+          </a:p>
+          <a:p>
+            <a:r>
+              <a:rPr lang="en-US" dirty="0" smtClean="0">
+                <a:latin typeface="Sentinel Light" panose="02000000000000000000" pitchFamily="50" charset="0"/>
+              </a:rPr>
               <a:t>Green Taxi’s service the </a:t>
             </a:r>
             <a:r>
-              <a:rPr lang="en-US" dirty="0" err="1" smtClean="0">
-                <a:latin typeface="Sentinel Light" panose="02000000000000000000" pitchFamily="50" charset="0"/>
-              </a:rPr>
-              <a:t>Bourough’s</a:t>
-            </a:r>
-            <a:r>
               <a:rPr lang="en-US" dirty="0" smtClean="0">
                 <a:latin typeface="Sentinel Light" panose="02000000000000000000" pitchFamily="50" charset="0"/>
               </a:rPr>
-              <a:t> and not Manhattan (yellow taxi’s). </a:t>
+              <a:t>Borough's </a:t>
+            </a:r>
+            <a:r>
+              <a:rPr lang="en-US" dirty="0" smtClean="0">
+                <a:latin typeface="Sentinel Light" panose="02000000000000000000" pitchFamily="50" charset="0"/>
+              </a:rPr>
+              <a:t>and not Manhattan (yellow taxi’s). </a:t>
             </a:r>
           </a:p>
           <a:p>
@@ -3404,6 +3443,13 @@
   <p:clrMapOvr>
     <a:masterClrMapping/>
   </p:clrMapOvr>
+  <p:timing>
+    <p:tnLst>
+      <p:par>
+        <p:cTn id="1" dur="indefinite" restart="never" nodeType="tmRoot"/>
+      </p:par>
+    </p:tnLst>
+  </p:timing>
 </p:sld>
 </file>
 
@@ -3544,6 +3590,13 @@
   <p:clrMapOvr>
     <a:masterClrMapping/>
   </p:clrMapOvr>
+  <p:timing>
+    <p:tnLst>
+      <p:par>
+        <p:cTn id="1" dur="indefinite" restart="never" nodeType="tmRoot"/>
+      </p:par>
+    </p:tnLst>
+  </p:timing>
 </p:sld>
 </file>
 
@@ -3665,6 +3718,13 @@
   <p:clrMapOvr>
     <a:masterClrMapping/>
   </p:clrMapOvr>
+  <p:timing>
+    <p:tnLst>
+      <p:par>
+        <p:cTn id="1" dur="indefinite" restart="never" nodeType="tmRoot"/>
+      </p:par>
+    </p:tnLst>
+  </p:timing>
 </p:sld>
 </file>
 
@@ -3706,7 +3766,7 @@
               <a:rPr lang="en-US" dirty="0" smtClean="0">
                 <a:latin typeface="Sentinel Light" panose="02000000000000000000" pitchFamily="50" charset="0"/>
               </a:rPr>
-              <a:t>What insights have you gained from your exploration?</a:t>
+              <a:t>Will you be able to answer your question with this data, or do you need to gather more data (or adjust your question)?</a:t>
             </a:r>
             <a:br>
               <a:rPr lang="en-US" dirty="0" smtClean="0">
@@ -3729,129 +3789,40 @@
         </p:nvSpPr>
         <p:spPr/>
         <p:txBody>
-          <a:bodyPr/>
-          <a:lstStyle/>
-          <a:p>
-            <a:r>
-              <a:rPr lang="en-US" sz="2400" dirty="0">
-                <a:latin typeface="Sentinel Light" panose="02000000000000000000" pitchFamily="50" charset="0"/>
-                <a:ea typeface="+mj-ea"/>
-                <a:cs typeface="+mj-cs"/>
-              </a:rPr>
-              <a:t>The dataset is fairly clean</a:t>
-            </a:r>
-          </a:p>
-          <a:p>
-            <a:r>
-              <a:rPr lang="en-US" sz="2400" dirty="0">
-                <a:latin typeface="Sentinel Light" panose="02000000000000000000" pitchFamily="50" charset="0"/>
-                <a:ea typeface="+mj-ea"/>
-                <a:cs typeface="+mj-cs"/>
-              </a:rPr>
-              <a:t>Missing 7M pickup &amp; </a:t>
-            </a:r>
-            <a:r>
-              <a:rPr lang="en-US" sz="2400" dirty="0" err="1">
-                <a:latin typeface="Sentinel Light" panose="02000000000000000000" pitchFamily="50" charset="0"/>
-                <a:ea typeface="+mj-ea"/>
-                <a:cs typeface="+mj-cs"/>
-              </a:rPr>
-              <a:t>dropoff</a:t>
-            </a:r>
-            <a:r>
-              <a:rPr lang="en-US" sz="2400" dirty="0">
-                <a:latin typeface="Sentinel Light" panose="02000000000000000000" pitchFamily="50" charset="0"/>
-                <a:ea typeface="+mj-ea"/>
-                <a:cs typeface="+mj-cs"/>
-              </a:rPr>
-              <a:t> </a:t>
-            </a:r>
-            <a:r>
-              <a:rPr lang="en-US" sz="2400" dirty="0" err="1">
-                <a:latin typeface="Sentinel Light" panose="02000000000000000000" pitchFamily="50" charset="0"/>
-                <a:ea typeface="+mj-ea"/>
-                <a:cs typeface="+mj-cs"/>
-              </a:rPr>
-              <a:t>Lat</a:t>
-            </a:r>
-            <a:r>
-              <a:rPr lang="en-US" sz="2400" dirty="0">
-                <a:latin typeface="Sentinel Light" panose="02000000000000000000" pitchFamily="50" charset="0"/>
-                <a:ea typeface="+mj-ea"/>
-                <a:cs typeface="+mj-cs"/>
-              </a:rPr>
-              <a:t> and Longs when compared to the response variable</a:t>
-            </a:r>
-          </a:p>
-          <a:p>
-            <a:r>
-              <a:rPr lang="en-US" sz="2400" dirty="0">
-                <a:latin typeface="Sentinel Light" panose="02000000000000000000" pitchFamily="50" charset="0"/>
-                <a:ea typeface="+mj-ea"/>
-                <a:cs typeface="+mj-cs"/>
-              </a:rPr>
-              <a:t>The </a:t>
-            </a:r>
-            <a:r>
-              <a:rPr lang="en-US" sz="2400" dirty="0" err="1">
-                <a:latin typeface="Sentinel Light" panose="02000000000000000000" pitchFamily="50" charset="0"/>
-                <a:ea typeface="+mj-ea"/>
-                <a:cs typeface="+mj-cs"/>
-              </a:rPr>
-              <a:t>lat</a:t>
-            </a:r>
-            <a:r>
-              <a:rPr lang="en-US" sz="2400" dirty="0">
-                <a:latin typeface="Sentinel Light" panose="02000000000000000000" pitchFamily="50" charset="0"/>
-                <a:ea typeface="+mj-ea"/>
-                <a:cs typeface="+mj-cs"/>
-              </a:rPr>
-              <a:t> and long fields all move in-sync. </a:t>
-            </a:r>
-          </a:p>
-          <a:p>
-            <a:r>
-              <a:rPr lang="en-US" sz="2400" dirty="0">
-                <a:latin typeface="Sentinel Light" panose="02000000000000000000" pitchFamily="50" charset="0"/>
-                <a:ea typeface="+mj-ea"/>
-                <a:cs typeface="+mj-cs"/>
-              </a:rPr>
-              <a:t>The rest of the columns move in sync with pickup and </a:t>
-            </a:r>
-            <a:r>
-              <a:rPr lang="en-US" sz="2400" dirty="0" err="1">
-                <a:latin typeface="Sentinel Light" panose="02000000000000000000" pitchFamily="50" charset="0"/>
-                <a:ea typeface="+mj-ea"/>
-                <a:cs typeface="+mj-cs"/>
-              </a:rPr>
-              <a:t>dropoff</a:t>
-            </a:r>
-            <a:r>
-              <a:rPr lang="en-US" sz="2400" dirty="0">
-                <a:latin typeface="Sentinel Light" panose="02000000000000000000" pitchFamily="50" charset="0"/>
-                <a:ea typeface="+mj-ea"/>
-                <a:cs typeface="+mj-cs"/>
-              </a:rPr>
-              <a:t> times</a:t>
-            </a:r>
-            <a:r>
-              <a:rPr lang="en-US" dirty="0" smtClean="0"/>
-              <a:t>.  </a:t>
-            </a:r>
-            <a:endParaRPr lang="en-US" dirty="0"/>
+          <a:bodyPr>
+            <a:normAutofit/>
+          </a:bodyPr>
+          <a:lstStyle/>
+          <a:p>
+            <a:r>
+              <a:rPr lang="en-US" sz="2400" dirty="0" smtClean="0">
+                <a:latin typeface="Sentinel Light" panose="02000000000000000000" pitchFamily="50" charset="0"/>
+              </a:rPr>
+              <a:t>Yes, the dataset appears to be suitable</a:t>
+            </a:r>
+            <a:endParaRPr lang="en-US" sz="2400" dirty="0">
+              <a:latin typeface="Sentinel Light" panose="02000000000000000000" pitchFamily="50" charset="0"/>
+            </a:endParaRPr>
           </a:p>
         </p:txBody>
       </p:sp>
     </p:spTree>
     <p:extLst>
       <p:ext uri="{BB962C8B-B14F-4D97-AF65-F5344CB8AC3E}">
-        <p14:creationId xmlns:p14="http://schemas.microsoft.com/office/powerpoint/2010/main" val="744568929"/>
+        <p14:creationId xmlns:p14="http://schemas.microsoft.com/office/powerpoint/2010/main" val="3992968197"/>
       </p:ext>
     </p:extLst>
   </p:cSld>
   <p:clrMapOvr>
     <a:masterClrMapping/>
   </p:clrMapOvr>
+  <p:timing>
+    <p:tnLst>
+      <p:par>
+        <p:cTn id="1" dur="indefinite" restart="never" nodeType="tmRoot"/>
+      </p:par>
+    </p:tnLst>
+  </p:timing>
 </p:sld>
 </file>
 
@@ -3893,7 +3864,7 @@
               <a:rPr lang="en-US" dirty="0" smtClean="0">
                 <a:latin typeface="Sentinel Light" panose="02000000000000000000" pitchFamily="50" charset="0"/>
               </a:rPr>
-              <a:t>Will you be able to answer your question with this data, or do you need to gather more data (or adjust your question)?</a:t>
+              <a:t>What insights have you gained from your exploration?</a:t>
             </a:r>
             <a:br>
               <a:rPr lang="en-US" dirty="0" smtClean="0">
@@ -3916,33 +3887,152 @@
         </p:nvSpPr>
         <p:spPr/>
         <p:txBody>
-          <a:bodyPr>
-            <a:normAutofit/>
-          </a:bodyPr>
-          <a:lstStyle/>
-          <a:p>
+          <a:bodyPr/>
+          <a:lstStyle/>
+          <a:p>
+            <a:r>
+              <a:rPr lang="en-US" sz="2400" dirty="0">
+                <a:latin typeface="Sentinel Light" panose="02000000000000000000" pitchFamily="50" charset="0"/>
+                <a:ea typeface="+mj-ea"/>
+                <a:cs typeface="+mj-cs"/>
+              </a:rPr>
+              <a:t>The dataset is fairly clean</a:t>
+            </a:r>
+          </a:p>
+          <a:p>
+            <a:r>
+              <a:rPr lang="en-US" sz="2400" dirty="0">
+                <a:latin typeface="Sentinel Light" panose="02000000000000000000" pitchFamily="50" charset="0"/>
+                <a:ea typeface="+mj-ea"/>
+                <a:cs typeface="+mj-cs"/>
+              </a:rPr>
+              <a:t>Missing 7M pickup &amp; </a:t>
+            </a:r>
+            <a:r>
+              <a:rPr lang="en-US" sz="2400" dirty="0" err="1">
+                <a:latin typeface="Sentinel Light" panose="02000000000000000000" pitchFamily="50" charset="0"/>
+                <a:ea typeface="+mj-ea"/>
+                <a:cs typeface="+mj-cs"/>
+              </a:rPr>
+              <a:t>dropoff</a:t>
+            </a:r>
+            <a:r>
+              <a:rPr lang="en-US" sz="2400" dirty="0">
+                <a:latin typeface="Sentinel Light" panose="02000000000000000000" pitchFamily="50" charset="0"/>
+                <a:ea typeface="+mj-ea"/>
+                <a:cs typeface="+mj-cs"/>
+              </a:rPr>
+              <a:t> </a:t>
+            </a:r>
+            <a:r>
+              <a:rPr lang="en-US" sz="2400" dirty="0" err="1">
+                <a:latin typeface="Sentinel Light" panose="02000000000000000000" pitchFamily="50" charset="0"/>
+                <a:ea typeface="+mj-ea"/>
+                <a:cs typeface="+mj-cs"/>
+              </a:rPr>
+              <a:t>Lat</a:t>
+            </a:r>
+            <a:r>
+              <a:rPr lang="en-US" sz="2400" dirty="0">
+                <a:latin typeface="Sentinel Light" panose="02000000000000000000" pitchFamily="50" charset="0"/>
+                <a:ea typeface="+mj-ea"/>
+                <a:cs typeface="+mj-cs"/>
+              </a:rPr>
+              <a:t> and Longs when compared to the response variable</a:t>
+            </a:r>
+          </a:p>
+          <a:p>
+            <a:r>
+              <a:rPr lang="en-US" sz="2400" dirty="0">
+                <a:latin typeface="Sentinel Light" panose="02000000000000000000" pitchFamily="50" charset="0"/>
+                <a:ea typeface="+mj-ea"/>
+                <a:cs typeface="+mj-cs"/>
+              </a:rPr>
+              <a:t>The </a:t>
+            </a:r>
             <a:r>
               <a:rPr lang="en-US" sz="2400" dirty="0" smtClean="0">
                 <a:latin typeface="Sentinel Light" panose="02000000000000000000" pitchFamily="50" charset="0"/>
-              </a:rPr>
-              <a:t>Yes, the dataset appears to be suitable</a:t>
-            </a:r>
-            <a:endParaRPr lang="en-US" sz="2400" dirty="0">
-              <a:latin typeface="Sentinel Light" panose="02000000000000000000" pitchFamily="50" charset="0"/>
-            </a:endParaRPr>
+                <a:ea typeface="+mj-ea"/>
+                <a:cs typeface="+mj-cs"/>
+              </a:rPr>
+              <a:t>latitude </a:t>
+            </a:r>
+            <a:r>
+              <a:rPr lang="en-US" sz="2400" dirty="0">
+                <a:latin typeface="Sentinel Light" panose="02000000000000000000" pitchFamily="50" charset="0"/>
+                <a:ea typeface="+mj-ea"/>
+                <a:cs typeface="+mj-cs"/>
+              </a:rPr>
+              <a:t>and </a:t>
+            </a:r>
+            <a:r>
+              <a:rPr lang="en-US" sz="2400" dirty="0" smtClean="0">
+                <a:latin typeface="Sentinel Light" panose="02000000000000000000" pitchFamily="50" charset="0"/>
+                <a:ea typeface="+mj-ea"/>
+                <a:cs typeface="+mj-cs"/>
+              </a:rPr>
+              <a:t>longitude </a:t>
+            </a:r>
+            <a:r>
+              <a:rPr lang="en-US" sz="2400" dirty="0">
+                <a:latin typeface="Sentinel Light" panose="02000000000000000000" pitchFamily="50" charset="0"/>
+                <a:ea typeface="+mj-ea"/>
+                <a:cs typeface="+mj-cs"/>
+              </a:rPr>
+              <a:t>fields all move in-sync. </a:t>
+            </a:r>
+          </a:p>
+          <a:p>
+            <a:r>
+              <a:rPr lang="en-US" sz="2400" dirty="0">
+                <a:latin typeface="Sentinel Light" panose="02000000000000000000" pitchFamily="50" charset="0"/>
+                <a:ea typeface="+mj-ea"/>
+                <a:cs typeface="+mj-cs"/>
+              </a:rPr>
+              <a:t>The rest of the columns move in sync with pickup and </a:t>
+            </a:r>
+            <a:r>
+              <a:rPr lang="en-US" sz="2400" dirty="0" err="1">
+                <a:latin typeface="Sentinel Light" panose="02000000000000000000" pitchFamily="50" charset="0"/>
+                <a:ea typeface="+mj-ea"/>
+                <a:cs typeface="+mj-cs"/>
+              </a:rPr>
+              <a:t>dropoff</a:t>
+            </a:r>
+            <a:r>
+              <a:rPr lang="en-US" sz="2400" dirty="0">
+                <a:latin typeface="Sentinel Light" panose="02000000000000000000" pitchFamily="50" charset="0"/>
+                <a:ea typeface="+mj-ea"/>
+                <a:cs typeface="+mj-cs"/>
+              </a:rPr>
+              <a:t> times</a:t>
+            </a:r>
+            <a:r>
+              <a:rPr lang="en-US" dirty="0" smtClean="0"/>
+              <a:t>.  </a:t>
+            </a:r>
+            <a:endParaRPr lang="en-US" dirty="0"/>
           </a:p>
         </p:txBody>
       </p:sp>
     </p:spTree>
     <p:extLst>
       <p:ext uri="{BB962C8B-B14F-4D97-AF65-F5344CB8AC3E}">
-        <p14:creationId xmlns:p14="http://schemas.microsoft.com/office/powerpoint/2010/main" val="3992968197"/>
+        <p14:creationId xmlns:p14="http://schemas.microsoft.com/office/powerpoint/2010/main" val="744568929"/>
       </p:ext>
     </p:extLst>
   </p:cSld>
   <p:clrMapOvr>
     <a:masterClrMapping/>
   </p:clrMapOvr>
+  <p:timing>
+    <p:tnLst>
+      <p:par>
+        <p:cTn id="1" dur="indefinite" restart="never" nodeType="tmRoot"/>
+      </p:par>
+    </p:tnLst>
+  </p:timing>
 </p:sld>
 </file>
 
@@ -4073,6 +4163,13 @@
   <p:clrMapOvr>
     <a:masterClrMapping/>
   </p:clrMapOvr>
+  <p:timing>
+    <p:tnLst>
+      <p:par>
+        <p:cTn id="1" dur="indefinite" restart="never" nodeType="tmRoot"/>
+      </p:par>
+    </p:tnLst>
+  </p:timing>
 </p:sld>
 </file>
 
